--- a/Pipeline 4.1 Presentation.pptx
+++ b/Pipeline 4.1 Presentation.pptx
@@ -9795,7 +9795,15 @@
             </a:r>
             <a:r>
               <a:rPr lang="en-US" dirty="0" smtClean="0"/>
-              <a:t>, Acer XU</a:t>
+              <a:t>, </a:t>
+            </a:r>
+            <a:r>
+              <a:rPr lang="en-US" smtClean="0"/>
+              <a:t>Acer </a:t>
+            </a:r>
+            <a:r>
+              <a:rPr lang="en-US" smtClean="0"/>
+              <a:t>Xu</a:t>
             </a:r>
             <a:endParaRPr lang="en-US" dirty="0"/>
           </a:p>
